--- a/ppt/react/react.pptx
+++ b/ppt/react/react.pptx
@@ -206,7 +206,7 @@
           <a:p>
             <a:fld id="{CEEBDA6D-DC69-4DCE-BAF7-6763517D3376}" type="datetimeFigureOut">
               <a:rPr lang="en-US" altLang="zh-CN"/>
-              <a:t>2/23/2017</a:t>
+              <a:t>2/25/2017</a:t>
             </a:fld>
             <a:endParaRPr lang="zh-CN"/>
           </a:p>
@@ -370,7 +370,7 @@
           </a:lstStyle>
           <a:p>
             <a:fld id="{237F6C43-988E-4257-9A1C-C162EF036D58}" type="datetimeFigureOut">
-              <a:t>2017/2/23</a:t>
+              <a:t>2017/2/25</a:t>
             </a:fld>
             <a:endParaRPr lang="zh-CN"/>
           </a:p>
@@ -882,7 +882,7 @@
           <a:lstStyle/>
           <a:p>
             <a:fld id="{2CCFE9AC-F15C-4FA0-A6F1-298829FA691D}" type="datetimeFigureOut">
-              <a:t>2017/2/23</a:t>
+              <a:t>2017/2/25</a:t>
             </a:fld>
             <a:endParaRPr lang="zh-CN"/>
           </a:p>
@@ -1062,7 +1062,7 @@
           <a:lstStyle/>
           <a:p>
             <a:fld id="{2CCFE9AC-F15C-4FA0-A6F1-298829FA691D}" type="datetimeFigureOut">
-              <a:t>2017/2/23</a:t>
+              <a:t>2017/2/25</a:t>
             </a:fld>
             <a:endParaRPr lang="zh-CN"/>
           </a:p>
@@ -1229,7 +1229,7 @@
           <a:lstStyle/>
           <a:p>
             <a:fld id="{2CCFE9AC-F15C-4FA0-A6F1-298829FA691D}" type="datetimeFigureOut">
-              <a:t>2017/2/23</a:t>
+              <a:t>2017/2/25</a:t>
             </a:fld>
             <a:endParaRPr lang="zh-CN"/>
           </a:p>
@@ -1520,7 +1520,7 @@
           <a:lstStyle/>
           <a:p>
             <a:fld id="{2CCFE9AC-F15C-4FA0-A6F1-298829FA691D}" type="datetimeFigureOut">
-              <a:t>2017/2/23</a:t>
+              <a:t>2017/2/25</a:t>
             </a:fld>
             <a:endParaRPr lang="zh-CN"/>
           </a:p>
@@ -1892,7 +1892,7 @@
           <a:lstStyle/>
           <a:p>
             <a:fld id="{2CCFE9AC-F15C-4FA0-A6F1-298829FA691D}" type="datetimeFigureOut">
-              <a:t>2017/2/23</a:t>
+              <a:t>2017/2/25</a:t>
             </a:fld>
             <a:endParaRPr lang="zh-CN"/>
           </a:p>
@@ -2134,7 +2134,7 @@
           <a:lstStyle/>
           <a:p>
             <a:fld id="{2CCFE9AC-F15C-4FA0-A6F1-298829FA691D}" type="datetimeFigureOut">
-              <a:t>2017/2/23</a:t>
+              <a:t>2017/2/25</a:t>
             </a:fld>
             <a:endParaRPr lang="zh-CN"/>
           </a:p>
@@ -2506,7 +2506,7 @@
           <a:lstStyle/>
           <a:p>
             <a:fld id="{2CCFE9AC-F15C-4FA0-A6F1-298829FA691D}" type="datetimeFigureOut">
-              <a:t>2017/2/23</a:t>
+              <a:t>2017/2/25</a:t>
             </a:fld>
             <a:endParaRPr lang="zh-CN"/>
           </a:p>
@@ -2634,7 +2634,7 @@
           <a:lstStyle/>
           <a:p>
             <a:fld id="{2CCFE9AC-F15C-4FA0-A6F1-298829FA691D}" type="datetimeFigureOut">
-              <a:t>2017/2/23</a:t>
+              <a:t>2017/2/25</a:t>
             </a:fld>
             <a:endParaRPr lang="zh-CN"/>
           </a:p>
@@ -2739,7 +2739,7 @@
           <a:lstStyle/>
           <a:p>
             <a:fld id="{2CCFE9AC-F15C-4FA0-A6F1-298829FA691D}" type="datetimeFigureOut">
-              <a:t>2017/2/23</a:t>
+              <a:t>2017/2/25</a:t>
             </a:fld>
             <a:endParaRPr lang="zh-CN"/>
           </a:p>
@@ -3030,7 +3030,7 @@
           <a:lstStyle/>
           <a:p>
             <a:fld id="{2CCFE9AC-F15C-4FA0-A6F1-298829FA691D}" type="datetimeFigureOut">
-              <a:t>2017/2/23</a:t>
+              <a:t>2017/2/25</a:t>
             </a:fld>
             <a:endParaRPr lang="zh-CN"/>
           </a:p>
@@ -3298,7 +3298,7 @@
           <a:lstStyle/>
           <a:p>
             <a:fld id="{2CCFE9AC-F15C-4FA0-A6F1-298829FA691D}" type="datetimeFigureOut">
-              <a:t>2017/2/23</a:t>
+              <a:t>2017/2/25</a:t>
             </a:fld>
             <a:endParaRPr lang="zh-CN"/>
           </a:p>
@@ -3627,7 +3627,7 @@
             <a:fld id="{2CCFE9AC-F15C-4FA0-A6F1-298829FA691D}" type="datetimeFigureOut">
               <a:rPr lang="en-US" altLang="zh-CN" smtClean="0"/>
               <a:pPr/>
-              <a:t>2/23/2017</a:t>
+              <a:t>2/25/2017</a:t>
             </a:fld>
             <a:endParaRPr lang="zh-CN" altLang="en-US"/>
           </a:p>
@@ -4320,6 +4320,11 @@
               <a:rPr lang="en-US" altLang="zh-CN" dirty="0" smtClean="0"/>
               <a:t>props</a:t>
             </a:r>
+            <a:r>
+              <a:rPr lang="zh-CN" altLang="en-US" dirty="0" smtClean="0"/>
+              <a:t>组件内部访问组件属性</a:t>
+            </a:r>
+            <a:endParaRPr lang="en-US" altLang="zh-CN" dirty="0" smtClean="0"/>
           </a:p>
           <a:p>
             <a:pPr marL="0" indent="0">
@@ -4327,34 +4332,25 @@
             </a:pPr>
             <a:r>
               <a:rPr lang="zh-CN" altLang="en-US" dirty="0" smtClean="0"/>
-              <a:t>组件的属性</a:t>
-            </a:r>
-            <a:endParaRPr lang="en-US" altLang="zh-CN" dirty="0" smtClean="0"/>
+              <a:t>组件的</a:t>
+            </a:r>
+            <a:r>
+              <a:rPr lang="zh-CN" altLang="en-US" dirty="0" smtClean="0"/>
+              <a:t>属性</a:t>
+            </a:r>
+            <a:endParaRPr lang="en-US" altLang="zh-CN" smtClean="0"/>
           </a:p>
           <a:p>
             <a:pPr marL="0" indent="0">
               <a:buNone/>
             </a:pPr>
             <a:r>
+              <a:rPr lang="zh-CN" altLang="en-US" smtClean="0"/>
+              <a:t>挂钩</a:t>
+            </a:r>
+            <a:r>
               <a:rPr lang="zh-CN" altLang="en-US" dirty="0" smtClean="0"/>
-              <a:t>添加</a:t>
-            </a:r>
-            <a:r>
-              <a:rPr lang="en-US" altLang="zh-CN" dirty="0" smtClean="0"/>
-              <a:t>M</a:t>
-            </a:r>
-            <a:r>
-              <a:rPr lang="en-US" altLang="zh-CN" dirty="0" smtClean="0"/>
-              <a:t>arkdown</a:t>
-            </a:r>
-          </a:p>
-          <a:p>
-            <a:pPr marL="0" indent="0">
-              <a:buNone/>
-            </a:pPr>
-            <a:r>
-              <a:rPr lang="zh-CN" altLang="en-US" dirty="0" smtClean="0"/>
-              <a:t>挂钩数据模型</a:t>
+              <a:t>数据模型</a:t>
             </a:r>
             <a:endParaRPr lang="zh-CN" dirty="0"/>
           </a:p>
